--- a/dumbweek3/elga-dumbweek3.pptx
+++ b/dumbweek3/elga-dumbweek3.pptx
@@ -5,10 +5,10 @@
     <p:sldMasterId id="2147483648" r:id="rId1"/>
   </p:sldMasterIdLst>
   <p:notesMasterIdLst>
-    <p:notesMasterId r:id="rId16"/>
+    <p:notesMasterId r:id="rId18"/>
   </p:notesMasterIdLst>
   <p:handoutMasterIdLst>
-    <p:handoutMasterId r:id="rId17"/>
+    <p:handoutMasterId r:id="rId19"/>
   </p:handoutMasterIdLst>
   <p:sldIdLst>
     <p:sldId id="256" r:id="rId3"/>
@@ -22,8 +22,10 @@
     <p:sldId id="272" r:id="rId11"/>
     <p:sldId id="274" r:id="rId12"/>
     <p:sldId id="273" r:id="rId13"/>
-    <p:sldId id="275" r:id="rId14"/>
-    <p:sldId id="264" r:id="rId15"/>
+    <p:sldId id="276" r:id="rId14"/>
+    <p:sldId id="277" r:id="rId15"/>
+    <p:sldId id="278" r:id="rId16"/>
+    <p:sldId id="264" r:id="rId17"/>
   </p:sldIdLst>
   <p:sldSz cx="12192000" cy="6858000"/>
   <p:notesSz cx="6858000" cy="9144000"/>
@@ -7221,6 +7223,189 @@
           <a:chExt cx="0" cy="0"/>
         </a:xfrm>
       </p:grpSpPr>
+      <p:pic>
+        <p:nvPicPr>
+          <p:cNvPr id="14" name="图片 13"/>
+          <p:cNvPicPr>
+            <a:picLocks noChangeAspect="true"/>
+          </p:cNvPicPr>
+          <p:nvPr/>
+        </p:nvPicPr>
+        <p:blipFill>
+          <a:blip r:embed="rId1" cstate="print">
+            <a:extLst>
+              <a:ext uri="{28A0092B-C50C-407E-A947-70E740481C1C}">
+                <a14:useLocalDpi xmlns:a14="http://schemas.microsoft.com/office/drawing/2010/main" val="false"/>
+              </a:ext>
+            </a:extLst>
+          </a:blip>
+          <a:srcRect l="43593"/>
+          <a:stretch>
+            <a:fillRect/>
+          </a:stretch>
+        </p:blipFill>
+        <p:spPr>
+          <a:xfrm>
+            <a:off x="6389408" y="0"/>
+            <a:ext cx="5802593" cy="6858000"/>
+          </a:xfrm>
+          <a:custGeom>
+            <a:avLst/>
+            <a:gdLst>
+              <a:gd name="connsiteX0" fmla="*/ 1652451 w 5802593"/>
+              <a:gd name="connsiteY0" fmla="*/ 0 h 6858000"/>
+              <a:gd name="connsiteX1" fmla="*/ 5802593 w 5802593"/>
+              <a:gd name="connsiteY1" fmla="*/ 0 h 6858000"/>
+              <a:gd name="connsiteX2" fmla="*/ 5802593 w 5802593"/>
+              <a:gd name="connsiteY2" fmla="*/ 6858000 h 6858000"/>
+              <a:gd name="connsiteX3" fmla="*/ 0 w 5802593"/>
+              <a:gd name="connsiteY3" fmla="*/ 6858000 h 6858000"/>
+            </a:gdLst>
+            <a:ahLst/>
+            <a:cxnLst>
+              <a:cxn ang="0">
+                <a:pos x="connsiteX0" y="connsiteY0"/>
+              </a:cxn>
+              <a:cxn ang="0">
+                <a:pos x="connsiteX1" y="connsiteY1"/>
+              </a:cxn>
+              <a:cxn ang="0">
+                <a:pos x="connsiteX2" y="connsiteY2"/>
+              </a:cxn>
+              <a:cxn ang="0">
+                <a:pos x="connsiteX3" y="connsiteY3"/>
+              </a:cxn>
+            </a:cxnLst>
+            <a:rect l="l" t="t" r="r" b="b"/>
+            <a:pathLst>
+              <a:path w="5802593" h="6858000">
+                <a:moveTo>
+                  <a:pt x="1652451" y="0"/>
+                </a:moveTo>
+                <a:lnTo>
+                  <a:pt x="5802593" y="0"/>
+                </a:lnTo>
+                <a:lnTo>
+                  <a:pt x="5802593" y="6858000"/>
+                </a:lnTo>
+                <a:lnTo>
+                  <a:pt x="0" y="6858000"/>
+                </a:lnTo>
+                <a:close/>
+              </a:path>
+            </a:pathLst>
+          </a:custGeom>
+        </p:spPr>
+      </p:pic>
+      <p:sp>
+        <p:nvSpPr>
+          <p:cNvPr id="16" name="矩形 15"/>
+          <p:cNvSpPr/>
+          <p:nvPr/>
+        </p:nvSpPr>
+        <p:spPr>
+          <a:xfrm>
+            <a:off x="412115" y="2889885"/>
+            <a:ext cx="6077585" cy="583565"/>
+          </a:xfrm>
+          <a:prstGeom prst="rect">
+            <a:avLst/>
+          </a:prstGeom>
+        </p:spPr>
+        <p:txBody>
+          <a:bodyPr wrap="square">
+            <a:spAutoFit/>
+          </a:bodyPr>
+          <a:lstStyle/>
+          <a:p>
+            <a:r>
+              <a:rPr lang="" altLang="en-US" sz="3200">
+                <a:solidFill>
+                  <a:schemeClr val="bg1"/>
+                </a:solidFill>
+                <a:latin typeface="Arial" panose="020B0604020202020204" pitchFamily="34" charset="0"/>
+                <a:ea typeface="Arial" panose="020B0604020202020204" pitchFamily="34" charset="0"/>
+                <a:cs typeface="Arial" panose="020B0604020202020204" pitchFamily="34" charset="0"/>
+              </a:rPr>
+              <a:t>Install Jenkins</a:t>
+            </a:r>
+            <a:endParaRPr lang="" altLang="en-US" sz="3200">
+              <a:solidFill>
+                <a:schemeClr val="bg1"/>
+              </a:solidFill>
+              <a:latin typeface="Arial" panose="020B0604020202020204" pitchFamily="34" charset="0"/>
+              <a:ea typeface="Arial" panose="020B0604020202020204" pitchFamily="34" charset="0"/>
+              <a:cs typeface="Arial" panose="020B0604020202020204" pitchFamily="34" charset="0"/>
+            </a:endParaRPr>
+          </a:p>
+        </p:txBody>
+      </p:sp>
+      <p:sp>
+        <p:nvSpPr>
+          <p:cNvPr id="17" name="矩形 16"/>
+          <p:cNvSpPr/>
+          <p:nvPr/>
+        </p:nvSpPr>
+        <p:spPr>
+          <a:xfrm>
+            <a:off x="411941" y="3582849"/>
+            <a:ext cx="5503083" cy="1476375"/>
+          </a:xfrm>
+          <a:prstGeom prst="rect">
+            <a:avLst/>
+          </a:prstGeom>
+        </p:spPr>
+        <p:txBody>
+          <a:bodyPr wrap="square">
+            <a:spAutoFit/>
+          </a:bodyPr>
+          <a:lstStyle/>
+          <a:p>
+            <a:r>
+              <a:rPr lang="" altLang="en-US">
+                <a:solidFill>
+                  <a:schemeClr val="bg1"/>
+                </a:solidFill>
+                <a:latin typeface="Arial" panose="020B0604020202020204" pitchFamily="34" charset="0"/>
+                <a:ea typeface="Arial" panose="020B0604020202020204" pitchFamily="34" charset="0"/>
+              </a:rPr>
+              <a:t>Saat proses instalasi Jenkins saya buka port 8080 dab 50000, saya jalankan di background dan saya buat volume di path /usr/app. kemudian utuk mengakses Jenkins saya buat reverse proxy + ssl yang menuju alamat cicd.elga.instructype.com</a:t>
+            </a:r>
+            <a:endParaRPr lang="" altLang="en-US">
+              <a:solidFill>
+                <a:schemeClr val="bg1"/>
+              </a:solidFill>
+              <a:latin typeface="Arial" panose="020B0604020202020204" pitchFamily="34" charset="0"/>
+              <a:ea typeface="Arial" panose="020B0604020202020204" pitchFamily="34" charset="0"/>
+            </a:endParaRPr>
+          </a:p>
+        </p:txBody>
+      </p:sp>
+    </p:spTree>
+  </p:cSld>
+  <p:clrMapOvr>
+    <a:masterClrMapping/>
+  </p:clrMapOvr>
+</p:sld>
+</file>
+
+<file path=ppt/slides/slide13.xml><?xml version="1.0" encoding="utf-8"?>
+<p:sld xmlns:a="http://schemas.openxmlformats.org/drawingml/2006/main" xmlns:r="http://schemas.openxmlformats.org/officeDocument/2006/relationships" xmlns:p="http://schemas.openxmlformats.org/presentationml/2006/main">
+  <p:cSld>
+    <p:spTree>
+      <p:nvGrpSpPr>
+        <p:cNvPr id="1" name=""/>
+        <p:cNvGrpSpPr/>
+        <p:nvPr/>
+      </p:nvGrpSpPr>
+      <p:grpSpPr>
+        <a:xfrm>
+          <a:off x="0" y="0"/>
+          <a:ext cx="0" cy="0"/>
+          <a:chOff x="0" y="0"/>
+          <a:chExt cx="0" cy="0"/>
+        </a:xfrm>
+      </p:grpSpPr>
       <p:sp>
         <p:nvSpPr>
           <p:cNvPr id="9" name="任意多边形 8"/>
@@ -7484,20 +7669,6 @@
           <a:lstStyle/>
           <a:p>
             <a:r>
-              <a:rPr lang="en-US" altLang="en-US" sz="5400">
-                <a:solidFill>
-                  <a:schemeClr val="tx1">
-                    <a:lumMod val="85000"/>
-                    <a:lumOff val="15000"/>
-                  </a:schemeClr>
-                </a:solidFill>
-                <a:latin typeface="Arial" panose="020B0604020202020204" pitchFamily="34" charset="0"/>
-                <a:ea typeface="Arial" panose="020B0604020202020204" pitchFamily="34" charset="0"/>
-                <a:cs typeface="Arial" panose="020B0604020202020204" pitchFamily="34" charset="0"/>
-              </a:rPr>
-              <a:t>Install </a:t>
-            </a:r>
-            <a:r>
               <a:rPr lang="" altLang="en-US" sz="5400">
                 <a:solidFill>
                   <a:schemeClr val="tx1">
@@ -7509,7 +7680,7 @@
                 <a:ea typeface="Arial" panose="020B0604020202020204" pitchFamily="34" charset="0"/>
                 <a:cs typeface="Arial" panose="020B0604020202020204" pitchFamily="34" charset="0"/>
               </a:rPr>
-              <a:t>Jenkins</a:t>
+              <a:t>Create Jenkins Job</a:t>
             </a:r>
             <a:endParaRPr lang="" altLang="en-US" sz="5400">
               <a:solidFill>
@@ -7908,7 +8079,1179 @@
 </p:sld>
 </file>
 
-<file path=ppt/slides/slide13.xml><?xml version="1.0" encoding="utf-8"?>
+<file path=ppt/slides/slide14.xml><?xml version="1.0" encoding="utf-8"?>
+<p:sld xmlns:a="http://schemas.openxmlformats.org/drawingml/2006/main" xmlns:r="http://schemas.openxmlformats.org/officeDocument/2006/relationships" xmlns:p="http://schemas.openxmlformats.org/presentationml/2006/main">
+  <p:cSld>
+    <p:spTree>
+      <p:nvGrpSpPr>
+        <p:cNvPr id="1" name=""/>
+        <p:cNvGrpSpPr/>
+        <p:nvPr/>
+      </p:nvGrpSpPr>
+      <p:grpSpPr>
+        <a:xfrm>
+          <a:off x="0" y="0"/>
+          <a:ext cx="0" cy="0"/>
+          <a:chOff x="0" y="0"/>
+          <a:chExt cx="0" cy="0"/>
+        </a:xfrm>
+      </p:grpSpPr>
+      <p:sp>
+        <p:nvSpPr>
+          <p:cNvPr id="5" name="等腰三角形 4"/>
+          <p:cNvSpPr/>
+          <p:nvPr/>
+        </p:nvSpPr>
+        <p:spPr>
+          <a:xfrm>
+            <a:off x="742950" y="2276475"/>
+            <a:ext cx="2198751" cy="1895475"/>
+          </a:xfrm>
+          <a:prstGeom prst="triangle">
+            <a:avLst/>
+          </a:prstGeom>
+          <a:solidFill>
+            <a:srgbClr val="DACD57"/>
+          </a:solidFill>
+          <a:ln>
+            <a:noFill/>
+          </a:ln>
+        </p:spPr>
+        <p:style>
+          <a:lnRef idx="2">
+            <a:schemeClr val="accent1">
+              <a:shade val="50000"/>
+            </a:schemeClr>
+          </a:lnRef>
+          <a:fillRef idx="1">
+            <a:schemeClr val="accent1"/>
+          </a:fillRef>
+          <a:effectRef idx="0">
+            <a:schemeClr val="accent1"/>
+          </a:effectRef>
+          <a:fontRef idx="minor">
+            <a:schemeClr val="lt1"/>
+          </a:fontRef>
+        </p:style>
+        <p:txBody>
+          <a:bodyPr rtlCol="0" anchor="ctr"/>
+          <a:lstStyle/>
+          <a:p>
+            <a:pPr algn="ctr"/>
+            <a:endParaRPr lang="zh-CN" altLang="en-US"/>
+          </a:p>
+        </p:txBody>
+      </p:sp>
+      <p:sp>
+        <p:nvSpPr>
+          <p:cNvPr id="6" name="等腰三角形 5"/>
+          <p:cNvSpPr/>
+          <p:nvPr/>
+        </p:nvSpPr>
+        <p:spPr>
+          <a:xfrm rot="10800000">
+            <a:off x="3581400" y="4171950"/>
+            <a:ext cx="2198751" cy="1895475"/>
+          </a:xfrm>
+          <a:prstGeom prst="triangle">
+            <a:avLst/>
+          </a:prstGeom>
+          <a:solidFill>
+            <a:srgbClr val="DACD57"/>
+          </a:solidFill>
+          <a:ln>
+            <a:noFill/>
+          </a:ln>
+        </p:spPr>
+        <p:style>
+          <a:lnRef idx="2">
+            <a:schemeClr val="accent1">
+              <a:shade val="50000"/>
+            </a:schemeClr>
+          </a:lnRef>
+          <a:fillRef idx="1">
+            <a:schemeClr val="accent1"/>
+          </a:fillRef>
+          <a:effectRef idx="0">
+            <a:schemeClr val="accent1"/>
+          </a:effectRef>
+          <a:fontRef idx="minor">
+            <a:schemeClr val="lt1"/>
+          </a:fontRef>
+        </p:style>
+        <p:txBody>
+          <a:bodyPr rtlCol="0" anchor="ctr"/>
+          <a:lstStyle/>
+          <a:p>
+            <a:pPr algn="ctr"/>
+            <a:endParaRPr lang="zh-CN" altLang="en-US"/>
+          </a:p>
+        </p:txBody>
+      </p:sp>
+      <p:sp>
+        <p:nvSpPr>
+          <p:cNvPr id="7" name="等腰三角形 6"/>
+          <p:cNvSpPr/>
+          <p:nvPr/>
+        </p:nvSpPr>
+        <p:spPr>
+          <a:xfrm>
+            <a:off x="6419849" y="2276475"/>
+            <a:ext cx="2198751" cy="1895475"/>
+          </a:xfrm>
+          <a:prstGeom prst="triangle">
+            <a:avLst/>
+          </a:prstGeom>
+          <a:solidFill>
+            <a:srgbClr val="DACD57"/>
+          </a:solidFill>
+          <a:ln>
+            <a:noFill/>
+          </a:ln>
+        </p:spPr>
+        <p:style>
+          <a:lnRef idx="2">
+            <a:schemeClr val="accent1">
+              <a:shade val="50000"/>
+            </a:schemeClr>
+          </a:lnRef>
+          <a:fillRef idx="1">
+            <a:schemeClr val="accent1"/>
+          </a:fillRef>
+          <a:effectRef idx="0">
+            <a:schemeClr val="accent1"/>
+          </a:effectRef>
+          <a:fontRef idx="minor">
+            <a:schemeClr val="lt1"/>
+          </a:fontRef>
+        </p:style>
+        <p:txBody>
+          <a:bodyPr rtlCol="0" anchor="ctr"/>
+          <a:lstStyle/>
+          <a:p>
+            <a:pPr algn="ctr"/>
+            <a:endParaRPr lang="zh-CN" altLang="en-US"/>
+          </a:p>
+        </p:txBody>
+      </p:sp>
+      <p:sp>
+        <p:nvSpPr>
+          <p:cNvPr id="8" name="等腰三角形 7"/>
+          <p:cNvSpPr/>
+          <p:nvPr/>
+        </p:nvSpPr>
+        <p:spPr>
+          <a:xfrm rot="10800000">
+            <a:off x="9258298" y="4171950"/>
+            <a:ext cx="2198751" cy="1895475"/>
+          </a:xfrm>
+          <a:prstGeom prst="triangle">
+            <a:avLst/>
+          </a:prstGeom>
+          <a:solidFill>
+            <a:srgbClr val="DACD57"/>
+          </a:solidFill>
+          <a:ln>
+            <a:noFill/>
+          </a:ln>
+        </p:spPr>
+        <p:style>
+          <a:lnRef idx="2">
+            <a:schemeClr val="accent1">
+              <a:shade val="50000"/>
+            </a:schemeClr>
+          </a:lnRef>
+          <a:fillRef idx="1">
+            <a:schemeClr val="accent1"/>
+          </a:fillRef>
+          <a:effectRef idx="0">
+            <a:schemeClr val="accent1"/>
+          </a:effectRef>
+          <a:fontRef idx="minor">
+            <a:schemeClr val="lt1"/>
+          </a:fontRef>
+        </p:style>
+        <p:txBody>
+          <a:bodyPr rtlCol="0" anchor="ctr"/>
+          <a:lstStyle/>
+          <a:p>
+            <a:pPr algn="ctr"/>
+            <a:endParaRPr lang="zh-CN" altLang="en-US"/>
+          </a:p>
+        </p:txBody>
+      </p:sp>
+      <p:sp>
+        <p:nvSpPr>
+          <p:cNvPr id="28" name="矩形 27"/>
+          <p:cNvSpPr/>
+          <p:nvPr/>
+        </p:nvSpPr>
+        <p:spPr>
+          <a:xfrm>
+            <a:off x="631819" y="4707288"/>
+            <a:ext cx="2810897" cy="583565"/>
+          </a:xfrm>
+          <a:prstGeom prst="rect">
+            <a:avLst/>
+          </a:prstGeom>
+        </p:spPr>
+        <p:txBody>
+          <a:bodyPr wrap="square">
+            <a:spAutoFit/>
+          </a:bodyPr>
+          <a:lstStyle/>
+          <a:p>
+            <a:r>
+              <a:rPr lang="" altLang="en-US" sz="1600">
+                <a:solidFill>
+                  <a:schemeClr val="bg1"/>
+                </a:solidFill>
+                <a:latin typeface="Arial" panose="020B0604020202020204" pitchFamily="34" charset="0"/>
+                <a:ea typeface="Arial" panose="020B0604020202020204" pitchFamily="34" charset="0"/>
+              </a:rPr>
+              <a:t>Menambahkan github token ke jenkins</a:t>
+            </a:r>
+            <a:endParaRPr lang="" altLang="en-US" sz="1600">
+              <a:solidFill>
+                <a:schemeClr val="bg1"/>
+              </a:solidFill>
+              <a:latin typeface="Arial" panose="020B0604020202020204" pitchFamily="34" charset="0"/>
+              <a:ea typeface="Arial" panose="020B0604020202020204" pitchFamily="34" charset="0"/>
+            </a:endParaRPr>
+          </a:p>
+        </p:txBody>
+      </p:sp>
+      <p:sp>
+        <p:nvSpPr>
+          <p:cNvPr id="29" name="TextBox 1"/>
+          <p:cNvSpPr txBox="true"/>
+          <p:nvPr/>
+        </p:nvSpPr>
+        <p:spPr>
+          <a:xfrm>
+            <a:off x="625363" y="4381614"/>
+            <a:ext cx="2298333" cy="368300"/>
+          </a:xfrm>
+          <a:prstGeom prst="rect">
+            <a:avLst/>
+          </a:prstGeom>
+          <a:noFill/>
+          <a:ln>
+            <a:noFill/>
+          </a:ln>
+        </p:spPr>
+        <p:txBody>
+          <a:bodyPr wrap="square" rtlCol="0">
+            <a:spAutoFit/>
+          </a:bodyPr>
+          <a:lstStyle>
+            <a:defPPr>
+              <a:defRPr lang="zh-CN"/>
+            </a:defPPr>
+            <a:lvl1pPr>
+              <a:defRPr sz="2000" b="1">
+                <a:solidFill>
+                  <a:schemeClr val="bg1"/>
+                </a:solidFill>
+                <a:latin typeface="方正兰亭超细黑简体" panose="02000000000000000000" pitchFamily="2" charset="-122"/>
+                <a:ea typeface="方正兰亭超细黑简体" panose="02000000000000000000" pitchFamily="2" charset="-122"/>
+                <a:cs typeface="Verdana" panose="020B0604030504040204" pitchFamily="34" charset="0"/>
+              </a:defRPr>
+            </a:lvl1pPr>
+          </a:lstStyle>
+          <a:p>
+            <a:pPr algn="ctr"/>
+            <a:r>
+              <a:rPr lang="" altLang="en-US" sz="1800">
+                <a:latin typeface="Arial" panose="020B0604020202020204" pitchFamily="34" charset="0"/>
+                <a:ea typeface="Arial" panose="020B0604020202020204" pitchFamily="34" charset="0"/>
+                <a:cs typeface="Arial" panose="020B0604020202020204" pitchFamily="34" charset="0"/>
+              </a:rPr>
+              <a:t>Github &amp; Jenkins</a:t>
+            </a:r>
+            <a:endParaRPr lang="" altLang="en-US" sz="1800">
+              <a:latin typeface="Arial" panose="020B0604020202020204" pitchFamily="34" charset="0"/>
+              <a:ea typeface="Arial" panose="020B0604020202020204" pitchFamily="34" charset="0"/>
+              <a:cs typeface="Arial" panose="020B0604020202020204" pitchFamily="34" charset="0"/>
+            </a:endParaRPr>
+          </a:p>
+        </p:txBody>
+      </p:sp>
+      <p:sp>
+        <p:nvSpPr>
+          <p:cNvPr id="30" name="矩形 29"/>
+          <p:cNvSpPr/>
+          <p:nvPr/>
+        </p:nvSpPr>
+        <p:spPr>
+          <a:xfrm>
+            <a:off x="6326260" y="4707288"/>
+            <a:ext cx="2931575" cy="829945"/>
+          </a:xfrm>
+          <a:prstGeom prst="rect">
+            <a:avLst/>
+          </a:prstGeom>
+        </p:spPr>
+        <p:txBody>
+          <a:bodyPr wrap="square">
+            <a:spAutoFit/>
+          </a:bodyPr>
+          <a:lstStyle/>
+          <a:p>
+            <a:r>
+              <a:rPr lang="" altLang="en-US" sz="1600">
+                <a:solidFill>
+                  <a:schemeClr val="bg1"/>
+                </a:solidFill>
+                <a:latin typeface="Arial" panose="020B0604020202020204" pitchFamily="34" charset="0"/>
+                <a:ea typeface="Arial" panose="020B0604020202020204" pitchFamily="34" charset="0"/>
+              </a:rPr>
+              <a:t>Menyambungkan Docker dengan github melalui Docker Build</a:t>
+            </a:r>
+            <a:endParaRPr lang="" altLang="en-US" sz="1600">
+              <a:solidFill>
+                <a:schemeClr val="bg1"/>
+              </a:solidFill>
+              <a:latin typeface="Arial" panose="020B0604020202020204" pitchFamily="34" charset="0"/>
+              <a:ea typeface="Arial" panose="020B0604020202020204" pitchFamily="34" charset="0"/>
+            </a:endParaRPr>
+          </a:p>
+        </p:txBody>
+      </p:sp>
+      <p:sp>
+        <p:nvSpPr>
+          <p:cNvPr id="31" name="TextBox 1"/>
+          <p:cNvSpPr txBox="true"/>
+          <p:nvPr/>
+        </p:nvSpPr>
+        <p:spPr>
+          <a:xfrm>
+            <a:off x="6319804" y="4381614"/>
+            <a:ext cx="2298333" cy="368300"/>
+          </a:xfrm>
+          <a:prstGeom prst="rect">
+            <a:avLst/>
+          </a:prstGeom>
+          <a:noFill/>
+          <a:ln>
+            <a:noFill/>
+          </a:ln>
+        </p:spPr>
+        <p:txBody>
+          <a:bodyPr wrap="square" rtlCol="0">
+            <a:spAutoFit/>
+          </a:bodyPr>
+          <a:lstStyle>
+            <a:defPPr>
+              <a:defRPr lang="zh-CN"/>
+            </a:defPPr>
+            <a:lvl1pPr>
+              <a:defRPr sz="2000" b="1">
+                <a:solidFill>
+                  <a:schemeClr val="bg1"/>
+                </a:solidFill>
+                <a:latin typeface="方正兰亭超细黑简体" panose="02000000000000000000" pitchFamily="2" charset="-122"/>
+                <a:ea typeface="方正兰亭超细黑简体" panose="02000000000000000000" pitchFamily="2" charset="-122"/>
+                <a:cs typeface="Verdana" panose="020B0604030504040204" pitchFamily="34" charset="0"/>
+              </a:defRPr>
+            </a:lvl1pPr>
+          </a:lstStyle>
+          <a:p>
+            <a:pPr algn="ctr"/>
+            <a:r>
+              <a:rPr lang="" altLang="en-US" sz="1800">
+                <a:latin typeface="Arial" panose="020B0604020202020204" pitchFamily="34" charset="0"/>
+                <a:ea typeface="Arial" panose="020B0604020202020204" pitchFamily="34" charset="0"/>
+                <a:cs typeface="Arial" panose="020B0604020202020204" pitchFamily="34" charset="0"/>
+              </a:rPr>
+              <a:t>Github &amp; Docker</a:t>
+            </a:r>
+            <a:endParaRPr lang="" altLang="en-US" sz="1800">
+              <a:latin typeface="Arial" panose="020B0604020202020204" pitchFamily="34" charset="0"/>
+              <a:ea typeface="Arial" panose="020B0604020202020204" pitchFamily="34" charset="0"/>
+              <a:cs typeface="Arial" panose="020B0604020202020204" pitchFamily="34" charset="0"/>
+            </a:endParaRPr>
+          </a:p>
+        </p:txBody>
+      </p:sp>
+      <p:sp>
+        <p:nvSpPr>
+          <p:cNvPr id="32" name="矩形 31"/>
+          <p:cNvSpPr/>
+          <p:nvPr/>
+        </p:nvSpPr>
+        <p:spPr>
+          <a:xfrm>
+            <a:off x="3443129" y="3383606"/>
+            <a:ext cx="2948844" cy="583565"/>
+          </a:xfrm>
+          <a:prstGeom prst="rect">
+            <a:avLst/>
+          </a:prstGeom>
+        </p:spPr>
+        <p:txBody>
+          <a:bodyPr wrap="square">
+            <a:spAutoFit/>
+          </a:bodyPr>
+          <a:lstStyle/>
+          <a:p>
+            <a:r>
+              <a:rPr lang="" altLang="en-US" sz="1600">
+                <a:solidFill>
+                  <a:schemeClr val="bg1"/>
+                </a:solidFill>
+                <a:latin typeface="Arial" panose="020B0604020202020204" pitchFamily="34" charset="0"/>
+                <a:ea typeface="Arial" panose="020B0604020202020204" pitchFamily="34" charset="0"/>
+              </a:rPr>
+              <a:t>Menambahkan informasi server ke jenkins</a:t>
+            </a:r>
+            <a:endParaRPr lang="" altLang="en-US" sz="1600">
+              <a:solidFill>
+                <a:schemeClr val="bg1"/>
+              </a:solidFill>
+              <a:latin typeface="Arial" panose="020B0604020202020204" pitchFamily="34" charset="0"/>
+              <a:ea typeface="Arial" panose="020B0604020202020204" pitchFamily="34" charset="0"/>
+            </a:endParaRPr>
+          </a:p>
+        </p:txBody>
+      </p:sp>
+      <p:sp>
+        <p:nvSpPr>
+          <p:cNvPr id="33" name="TextBox 1"/>
+          <p:cNvSpPr txBox="true"/>
+          <p:nvPr/>
+        </p:nvSpPr>
+        <p:spPr>
+          <a:xfrm>
+            <a:off x="3436673" y="3057932"/>
+            <a:ext cx="2411126" cy="368300"/>
+          </a:xfrm>
+          <a:prstGeom prst="rect">
+            <a:avLst/>
+          </a:prstGeom>
+          <a:noFill/>
+          <a:ln>
+            <a:noFill/>
+          </a:ln>
+        </p:spPr>
+        <p:txBody>
+          <a:bodyPr wrap="square" rtlCol="0">
+            <a:spAutoFit/>
+          </a:bodyPr>
+          <a:lstStyle>
+            <a:defPPr>
+              <a:defRPr lang="zh-CN"/>
+            </a:defPPr>
+            <a:lvl1pPr>
+              <a:defRPr sz="2000" b="1">
+                <a:solidFill>
+                  <a:schemeClr val="bg1"/>
+                </a:solidFill>
+                <a:latin typeface="方正兰亭超细黑简体" panose="02000000000000000000" pitchFamily="2" charset="-122"/>
+                <a:ea typeface="方正兰亭超细黑简体" panose="02000000000000000000" pitchFamily="2" charset="-122"/>
+                <a:cs typeface="Verdana" panose="020B0604030504040204" pitchFamily="34" charset="0"/>
+              </a:defRPr>
+            </a:lvl1pPr>
+          </a:lstStyle>
+          <a:p>
+            <a:pPr algn="ctr"/>
+            <a:r>
+              <a:rPr lang="" altLang="en-US" sz="1800">
+                <a:latin typeface="Arial" panose="020B0604020202020204" pitchFamily="34" charset="0"/>
+                <a:ea typeface="Arial" panose="020B0604020202020204" pitchFamily="34" charset="0"/>
+                <a:cs typeface="Arial" panose="020B0604020202020204" pitchFamily="34" charset="0"/>
+              </a:rPr>
+              <a:t>Jenkins &amp; Server</a:t>
+            </a:r>
+            <a:endParaRPr lang="" altLang="en-US" sz="1800">
+              <a:latin typeface="Arial" panose="020B0604020202020204" pitchFamily="34" charset="0"/>
+              <a:ea typeface="Arial" panose="020B0604020202020204" pitchFamily="34" charset="0"/>
+              <a:cs typeface="Arial" panose="020B0604020202020204" pitchFamily="34" charset="0"/>
+            </a:endParaRPr>
+          </a:p>
+        </p:txBody>
+      </p:sp>
+      <p:sp>
+        <p:nvSpPr>
+          <p:cNvPr id="34" name="矩形 33"/>
+          <p:cNvSpPr/>
+          <p:nvPr/>
+        </p:nvSpPr>
+        <p:spPr>
+          <a:xfrm>
+            <a:off x="8987345" y="3411546"/>
+            <a:ext cx="2948844" cy="583565"/>
+          </a:xfrm>
+          <a:prstGeom prst="rect">
+            <a:avLst/>
+          </a:prstGeom>
+        </p:spPr>
+        <p:txBody>
+          <a:bodyPr wrap="square">
+            <a:spAutoFit/>
+          </a:bodyPr>
+          <a:lstStyle/>
+          <a:p>
+            <a:r>
+              <a:rPr lang="" altLang="en-US" sz="1600" err="1">
+                <a:solidFill>
+                  <a:schemeClr val="bg1"/>
+                </a:solidFill>
+                <a:latin typeface="Arial" panose="020B0604020202020204" pitchFamily="34" charset="0"/>
+                <a:ea typeface="Arial" panose="020B0604020202020204" pitchFamily="34" charset="0"/>
+              </a:rPr>
+              <a:t>Menambahkan discord webhook ke jenkins</a:t>
+            </a:r>
+            <a:endParaRPr lang="" altLang="en-US" sz="1600">
+              <a:solidFill>
+                <a:schemeClr val="bg1"/>
+              </a:solidFill>
+              <a:latin typeface="Arial" panose="020B0604020202020204" pitchFamily="34" charset="0"/>
+              <a:ea typeface="Arial" panose="020B0604020202020204" pitchFamily="34" charset="0"/>
+            </a:endParaRPr>
+          </a:p>
+        </p:txBody>
+      </p:sp>
+      <p:sp>
+        <p:nvSpPr>
+          <p:cNvPr id="35" name="TextBox 1"/>
+          <p:cNvSpPr txBox="true"/>
+          <p:nvPr/>
+        </p:nvSpPr>
+        <p:spPr>
+          <a:xfrm>
+            <a:off x="8980889" y="3085872"/>
+            <a:ext cx="2411126" cy="368300"/>
+          </a:xfrm>
+          <a:prstGeom prst="rect">
+            <a:avLst/>
+          </a:prstGeom>
+          <a:noFill/>
+          <a:ln>
+            <a:noFill/>
+          </a:ln>
+        </p:spPr>
+        <p:txBody>
+          <a:bodyPr wrap="square" rtlCol="0">
+            <a:spAutoFit/>
+          </a:bodyPr>
+          <a:lstStyle>
+            <a:defPPr>
+              <a:defRPr lang="zh-CN"/>
+            </a:defPPr>
+            <a:lvl1pPr>
+              <a:defRPr sz="2000" b="1">
+                <a:solidFill>
+                  <a:schemeClr val="bg1"/>
+                </a:solidFill>
+                <a:latin typeface="方正兰亭超细黑简体" panose="02000000000000000000" pitchFamily="2" charset="-122"/>
+                <a:ea typeface="方正兰亭超细黑简体" panose="02000000000000000000" pitchFamily="2" charset="-122"/>
+                <a:cs typeface="Verdana" panose="020B0604030504040204" pitchFamily="34" charset="0"/>
+              </a:defRPr>
+            </a:lvl1pPr>
+          </a:lstStyle>
+          <a:p>
+            <a:pPr algn="ctr"/>
+            <a:r>
+              <a:rPr lang="" altLang="en-US" sz="1800">
+                <a:latin typeface="Arial" panose="020B0604020202020204" pitchFamily="34" charset="0"/>
+                <a:ea typeface="Arial" panose="020B0604020202020204" pitchFamily="34" charset="0"/>
+                <a:cs typeface="Arial" panose="020B0604020202020204" pitchFamily="34" charset="0"/>
+              </a:rPr>
+              <a:t>Jenkins &amp; Discord</a:t>
+            </a:r>
+            <a:endParaRPr lang="" altLang="en-US" sz="1800">
+              <a:latin typeface="Arial" panose="020B0604020202020204" pitchFamily="34" charset="0"/>
+              <a:ea typeface="Arial" panose="020B0604020202020204" pitchFamily="34" charset="0"/>
+              <a:cs typeface="Arial" panose="020B0604020202020204" pitchFamily="34" charset="0"/>
+            </a:endParaRPr>
+          </a:p>
+        </p:txBody>
+      </p:sp>
+      <p:grpSp>
+        <p:nvGrpSpPr>
+          <p:cNvPr id="3" name="Group 2"/>
+          <p:cNvGrpSpPr/>
+          <p:nvPr/>
+        </p:nvGrpSpPr>
+        <p:grpSpPr>
+          <a:xfrm>
+            <a:off x="218440" y="245110"/>
+            <a:ext cx="6089015" cy="553085"/>
+            <a:chOff x="344" y="386"/>
+            <a:chExt cx="9589" cy="871"/>
+          </a:xfrm>
+        </p:grpSpPr>
+        <p:sp>
+          <p:nvSpPr>
+            <p:cNvPr id="37" name="Freeform 147"/>
+            <p:cNvSpPr>
+              <a:spLocks noEditPoints="true"/>
+            </p:cNvSpPr>
+            <p:nvPr/>
+          </p:nvSpPr>
+          <p:spPr bwMode="auto">
+            <a:xfrm>
+              <a:off x="344" y="516"/>
+              <a:ext cx="749" cy="504"/>
+            </a:xfrm>
+            <a:custGeom>
+              <a:avLst/>
+              <a:gdLst>
+                <a:gd name="T0" fmla="*/ 45 w 159"/>
+                <a:gd name="T1" fmla="*/ 10 h 107"/>
+                <a:gd name="T2" fmla="*/ 71 w 159"/>
+                <a:gd name="T3" fmla="*/ 10 h 107"/>
+                <a:gd name="T4" fmla="*/ 71 w 159"/>
+                <a:gd name="T5" fmla="*/ 100 h 107"/>
+                <a:gd name="T6" fmla="*/ 81 w 159"/>
+                <a:gd name="T7" fmla="*/ 100 h 107"/>
+                <a:gd name="T8" fmla="*/ 81 w 159"/>
+                <a:gd name="T9" fmla="*/ 29 h 107"/>
+                <a:gd name="T10" fmla="*/ 109 w 159"/>
+                <a:gd name="T11" fmla="*/ 29 h 107"/>
+                <a:gd name="T12" fmla="*/ 109 w 159"/>
+                <a:gd name="T13" fmla="*/ 100 h 107"/>
+                <a:gd name="T14" fmla="*/ 121 w 159"/>
+                <a:gd name="T15" fmla="*/ 100 h 107"/>
+                <a:gd name="T16" fmla="*/ 121 w 159"/>
+                <a:gd name="T17" fmla="*/ 0 h 107"/>
+                <a:gd name="T18" fmla="*/ 147 w 159"/>
+                <a:gd name="T19" fmla="*/ 0 h 107"/>
+                <a:gd name="T20" fmla="*/ 147 w 159"/>
+                <a:gd name="T21" fmla="*/ 100 h 107"/>
+                <a:gd name="T22" fmla="*/ 159 w 159"/>
+                <a:gd name="T23" fmla="*/ 100 h 107"/>
+                <a:gd name="T24" fmla="*/ 159 w 159"/>
+                <a:gd name="T25" fmla="*/ 107 h 107"/>
+                <a:gd name="T26" fmla="*/ 0 w 159"/>
+                <a:gd name="T27" fmla="*/ 107 h 107"/>
+                <a:gd name="T28" fmla="*/ 0 w 159"/>
+                <a:gd name="T29" fmla="*/ 100 h 107"/>
+                <a:gd name="T30" fmla="*/ 10 w 159"/>
+                <a:gd name="T31" fmla="*/ 100 h 107"/>
+                <a:gd name="T32" fmla="*/ 10 w 159"/>
+                <a:gd name="T33" fmla="*/ 36 h 107"/>
+                <a:gd name="T34" fmla="*/ 36 w 159"/>
+                <a:gd name="T35" fmla="*/ 36 h 107"/>
+                <a:gd name="T36" fmla="*/ 36 w 159"/>
+                <a:gd name="T37" fmla="*/ 100 h 107"/>
+                <a:gd name="T38" fmla="*/ 45 w 159"/>
+                <a:gd name="T39" fmla="*/ 100 h 107"/>
+                <a:gd name="T40" fmla="*/ 45 w 159"/>
+                <a:gd name="T41" fmla="*/ 10 h 107"/>
+                <a:gd name="T42" fmla="*/ 45 w 159"/>
+                <a:gd name="T43" fmla="*/ 10 h 107"/>
+                <a:gd name="T44" fmla="*/ 55 w 159"/>
+                <a:gd name="T45" fmla="*/ 100 h 107"/>
+                <a:gd name="T46" fmla="*/ 55 w 159"/>
+                <a:gd name="T47" fmla="*/ 21 h 107"/>
+                <a:gd name="T48" fmla="*/ 50 w 159"/>
+                <a:gd name="T49" fmla="*/ 21 h 107"/>
+                <a:gd name="T50" fmla="*/ 50 w 159"/>
+                <a:gd name="T51" fmla="*/ 100 h 107"/>
+                <a:gd name="T52" fmla="*/ 55 w 159"/>
+                <a:gd name="T53" fmla="*/ 100 h 107"/>
+                <a:gd name="T54" fmla="*/ 55 w 159"/>
+                <a:gd name="T55" fmla="*/ 100 h 107"/>
+                <a:gd name="T56" fmla="*/ 17 w 159"/>
+                <a:gd name="T57" fmla="*/ 100 h 107"/>
+                <a:gd name="T58" fmla="*/ 22 w 159"/>
+                <a:gd name="T59" fmla="*/ 100 h 107"/>
+                <a:gd name="T60" fmla="*/ 22 w 159"/>
+                <a:gd name="T61" fmla="*/ 47 h 107"/>
+                <a:gd name="T62" fmla="*/ 17 w 159"/>
+                <a:gd name="T63" fmla="*/ 47 h 107"/>
+                <a:gd name="T64" fmla="*/ 17 w 159"/>
+                <a:gd name="T65" fmla="*/ 100 h 107"/>
+                <a:gd name="T66" fmla="*/ 17 w 159"/>
+                <a:gd name="T67" fmla="*/ 100 h 107"/>
+                <a:gd name="T68" fmla="*/ 88 w 159"/>
+                <a:gd name="T69" fmla="*/ 100 h 107"/>
+                <a:gd name="T70" fmla="*/ 93 w 159"/>
+                <a:gd name="T71" fmla="*/ 100 h 107"/>
+                <a:gd name="T72" fmla="*/ 93 w 159"/>
+                <a:gd name="T73" fmla="*/ 43 h 107"/>
+                <a:gd name="T74" fmla="*/ 88 w 159"/>
+                <a:gd name="T75" fmla="*/ 43 h 107"/>
+                <a:gd name="T76" fmla="*/ 88 w 159"/>
+                <a:gd name="T77" fmla="*/ 100 h 107"/>
+                <a:gd name="T78" fmla="*/ 88 w 159"/>
+                <a:gd name="T79" fmla="*/ 100 h 107"/>
+                <a:gd name="T80" fmla="*/ 126 w 159"/>
+                <a:gd name="T81" fmla="*/ 100 h 107"/>
+                <a:gd name="T82" fmla="*/ 130 w 159"/>
+                <a:gd name="T83" fmla="*/ 100 h 107"/>
+                <a:gd name="T84" fmla="*/ 130 w 159"/>
+                <a:gd name="T85" fmla="*/ 14 h 107"/>
+                <a:gd name="T86" fmla="*/ 126 w 159"/>
+                <a:gd name="T87" fmla="*/ 14 h 107"/>
+                <a:gd name="T88" fmla="*/ 126 w 159"/>
+                <a:gd name="T89" fmla="*/ 100 h 107"/>
+              </a:gdLst>
+              <a:ahLst/>
+              <a:cxnLst>
+                <a:cxn ang="0">
+                  <a:pos x="T0" y="T1"/>
+                </a:cxn>
+                <a:cxn ang="0">
+                  <a:pos x="T2" y="T3"/>
+                </a:cxn>
+                <a:cxn ang="0">
+                  <a:pos x="T4" y="T5"/>
+                </a:cxn>
+                <a:cxn ang="0">
+                  <a:pos x="T6" y="T7"/>
+                </a:cxn>
+                <a:cxn ang="0">
+                  <a:pos x="T8" y="T9"/>
+                </a:cxn>
+                <a:cxn ang="0">
+                  <a:pos x="T10" y="T11"/>
+                </a:cxn>
+                <a:cxn ang="0">
+                  <a:pos x="T12" y="T13"/>
+                </a:cxn>
+                <a:cxn ang="0">
+                  <a:pos x="T14" y="T15"/>
+                </a:cxn>
+                <a:cxn ang="0">
+                  <a:pos x="T16" y="T17"/>
+                </a:cxn>
+                <a:cxn ang="0">
+                  <a:pos x="T18" y="T19"/>
+                </a:cxn>
+                <a:cxn ang="0">
+                  <a:pos x="T20" y="T21"/>
+                </a:cxn>
+                <a:cxn ang="0">
+                  <a:pos x="T22" y="T23"/>
+                </a:cxn>
+                <a:cxn ang="0">
+                  <a:pos x="T24" y="T25"/>
+                </a:cxn>
+                <a:cxn ang="0">
+                  <a:pos x="T26" y="T27"/>
+                </a:cxn>
+                <a:cxn ang="0">
+                  <a:pos x="T28" y="T29"/>
+                </a:cxn>
+                <a:cxn ang="0">
+                  <a:pos x="T30" y="T31"/>
+                </a:cxn>
+                <a:cxn ang="0">
+                  <a:pos x="T32" y="T33"/>
+                </a:cxn>
+                <a:cxn ang="0">
+                  <a:pos x="T34" y="T35"/>
+                </a:cxn>
+                <a:cxn ang="0">
+                  <a:pos x="T36" y="T37"/>
+                </a:cxn>
+                <a:cxn ang="0">
+                  <a:pos x="T38" y="T39"/>
+                </a:cxn>
+                <a:cxn ang="0">
+                  <a:pos x="T40" y="T41"/>
+                </a:cxn>
+                <a:cxn ang="0">
+                  <a:pos x="T42" y="T43"/>
+                </a:cxn>
+                <a:cxn ang="0">
+                  <a:pos x="T44" y="T45"/>
+                </a:cxn>
+                <a:cxn ang="0">
+                  <a:pos x="T46" y="T47"/>
+                </a:cxn>
+                <a:cxn ang="0">
+                  <a:pos x="T48" y="T49"/>
+                </a:cxn>
+                <a:cxn ang="0">
+                  <a:pos x="T50" y="T51"/>
+                </a:cxn>
+                <a:cxn ang="0">
+                  <a:pos x="T52" y="T53"/>
+                </a:cxn>
+                <a:cxn ang="0">
+                  <a:pos x="T54" y="T55"/>
+                </a:cxn>
+                <a:cxn ang="0">
+                  <a:pos x="T56" y="T57"/>
+                </a:cxn>
+                <a:cxn ang="0">
+                  <a:pos x="T58" y="T59"/>
+                </a:cxn>
+                <a:cxn ang="0">
+                  <a:pos x="T60" y="T61"/>
+                </a:cxn>
+                <a:cxn ang="0">
+                  <a:pos x="T62" y="T63"/>
+                </a:cxn>
+                <a:cxn ang="0">
+                  <a:pos x="T64" y="T65"/>
+                </a:cxn>
+                <a:cxn ang="0">
+                  <a:pos x="T66" y="T67"/>
+                </a:cxn>
+                <a:cxn ang="0">
+                  <a:pos x="T68" y="T69"/>
+                </a:cxn>
+                <a:cxn ang="0">
+                  <a:pos x="T70" y="T71"/>
+                </a:cxn>
+                <a:cxn ang="0">
+                  <a:pos x="T72" y="T73"/>
+                </a:cxn>
+                <a:cxn ang="0">
+                  <a:pos x="T74" y="T75"/>
+                </a:cxn>
+                <a:cxn ang="0">
+                  <a:pos x="T76" y="T77"/>
+                </a:cxn>
+                <a:cxn ang="0">
+                  <a:pos x="T78" y="T79"/>
+                </a:cxn>
+                <a:cxn ang="0">
+                  <a:pos x="T80" y="T81"/>
+                </a:cxn>
+                <a:cxn ang="0">
+                  <a:pos x="T82" y="T83"/>
+                </a:cxn>
+                <a:cxn ang="0">
+                  <a:pos x="T84" y="T85"/>
+                </a:cxn>
+                <a:cxn ang="0">
+                  <a:pos x="T86" y="T87"/>
+                </a:cxn>
+                <a:cxn ang="0">
+                  <a:pos x="T88" y="T89"/>
+                </a:cxn>
+              </a:cxnLst>
+              <a:rect l="0" t="0" r="r" b="b"/>
+              <a:pathLst>
+                <a:path w="159" h="107">
+                  <a:moveTo>
+                    <a:pt x="45" y="10"/>
+                  </a:moveTo>
+                  <a:lnTo>
+                    <a:pt x="71" y="10"/>
+                  </a:lnTo>
+                  <a:lnTo>
+                    <a:pt x="71" y="100"/>
+                  </a:lnTo>
+                  <a:lnTo>
+                    <a:pt x="81" y="100"/>
+                  </a:lnTo>
+                  <a:lnTo>
+                    <a:pt x="81" y="29"/>
+                  </a:lnTo>
+                  <a:lnTo>
+                    <a:pt x="109" y="29"/>
+                  </a:lnTo>
+                  <a:lnTo>
+                    <a:pt x="109" y="100"/>
+                  </a:lnTo>
+                  <a:lnTo>
+                    <a:pt x="121" y="100"/>
+                  </a:lnTo>
+                  <a:lnTo>
+                    <a:pt x="121" y="0"/>
+                  </a:lnTo>
+                  <a:lnTo>
+                    <a:pt x="147" y="0"/>
+                  </a:lnTo>
+                  <a:lnTo>
+                    <a:pt x="147" y="100"/>
+                  </a:lnTo>
+                  <a:lnTo>
+                    <a:pt x="159" y="100"/>
+                  </a:lnTo>
+                  <a:lnTo>
+                    <a:pt x="159" y="107"/>
+                  </a:lnTo>
+                  <a:lnTo>
+                    <a:pt x="0" y="107"/>
+                  </a:lnTo>
+                  <a:lnTo>
+                    <a:pt x="0" y="100"/>
+                  </a:lnTo>
+                  <a:lnTo>
+                    <a:pt x="10" y="100"/>
+                  </a:lnTo>
+                  <a:lnTo>
+                    <a:pt x="10" y="36"/>
+                  </a:lnTo>
+                  <a:lnTo>
+                    <a:pt x="36" y="36"/>
+                  </a:lnTo>
+                  <a:lnTo>
+                    <a:pt x="36" y="100"/>
+                  </a:lnTo>
+                  <a:lnTo>
+                    <a:pt x="45" y="100"/>
+                  </a:lnTo>
+                  <a:lnTo>
+                    <a:pt x="45" y="10"/>
+                  </a:lnTo>
+                  <a:lnTo>
+                    <a:pt x="45" y="10"/>
+                  </a:lnTo>
+                  <a:close/>
+                  <a:moveTo>
+                    <a:pt x="55" y="100"/>
+                  </a:moveTo>
+                  <a:lnTo>
+                    <a:pt x="55" y="21"/>
+                  </a:lnTo>
+                  <a:lnTo>
+                    <a:pt x="50" y="21"/>
+                  </a:lnTo>
+                  <a:lnTo>
+                    <a:pt x="50" y="100"/>
+                  </a:lnTo>
+                  <a:lnTo>
+                    <a:pt x="55" y="100"/>
+                  </a:lnTo>
+                  <a:lnTo>
+                    <a:pt x="55" y="100"/>
+                  </a:lnTo>
+                  <a:close/>
+                  <a:moveTo>
+                    <a:pt x="17" y="100"/>
+                  </a:moveTo>
+                  <a:lnTo>
+                    <a:pt x="22" y="100"/>
+                  </a:lnTo>
+                  <a:lnTo>
+                    <a:pt x="22" y="47"/>
+                  </a:lnTo>
+                  <a:lnTo>
+                    <a:pt x="17" y="47"/>
+                  </a:lnTo>
+                  <a:lnTo>
+                    <a:pt x="17" y="100"/>
+                  </a:lnTo>
+                  <a:lnTo>
+                    <a:pt x="17" y="100"/>
+                  </a:lnTo>
+                  <a:close/>
+                  <a:moveTo>
+                    <a:pt x="88" y="100"/>
+                  </a:moveTo>
+                  <a:lnTo>
+                    <a:pt x="93" y="100"/>
+                  </a:lnTo>
+                  <a:lnTo>
+                    <a:pt x="93" y="43"/>
+                  </a:lnTo>
+                  <a:lnTo>
+                    <a:pt x="88" y="43"/>
+                  </a:lnTo>
+                  <a:lnTo>
+                    <a:pt x="88" y="100"/>
+                  </a:lnTo>
+                  <a:lnTo>
+                    <a:pt x="88" y="100"/>
+                  </a:lnTo>
+                  <a:close/>
+                  <a:moveTo>
+                    <a:pt x="126" y="100"/>
+                  </a:moveTo>
+                  <a:lnTo>
+                    <a:pt x="130" y="100"/>
+                  </a:lnTo>
+                  <a:lnTo>
+                    <a:pt x="130" y="14"/>
+                  </a:lnTo>
+                  <a:lnTo>
+                    <a:pt x="126" y="14"/>
+                  </a:lnTo>
+                  <a:lnTo>
+                    <a:pt x="126" y="100"/>
+                  </a:lnTo>
+                  <a:close/>
+                </a:path>
+              </a:pathLst>
+            </a:custGeom>
+            <a:solidFill>
+              <a:srgbClr val="DACD57"/>
+            </a:solidFill>
+            <a:ln>
+              <a:noFill/>
+            </a:ln>
+          </p:spPr>
+          <p:txBody>
+            <a:bodyPr vert="horz" wrap="square" lIns="91440" tIns="45720" rIns="91440" bIns="45720" numCol="1" anchor="t" anchorCtr="false" compatLnSpc="true"/>
+            <a:p>
+              <a:endParaRPr lang="zh-CN" altLang="en-US"/>
+            </a:p>
+          </p:txBody>
+        </p:sp>
+        <p:sp>
+          <p:nvSpPr>
+            <p:cNvPr id="38" name="矩形 43"/>
+            <p:cNvSpPr/>
+            <p:nvPr/>
+          </p:nvSpPr>
+          <p:spPr>
+            <a:xfrm>
+              <a:off x="1290" y="386"/>
+              <a:ext cx="8643" cy="871"/>
+            </a:xfrm>
+            <a:prstGeom prst="rect">
+              <a:avLst/>
+            </a:prstGeom>
+          </p:spPr>
+          <p:txBody>
+            <a:bodyPr wrap="square">
+              <a:spAutoFit/>
+            </a:bodyPr>
+            <a:p>
+              <a:r>
+                <a:rPr lang="" altLang="en-US" sz="3000">
+                  <a:solidFill>
+                    <a:srgbClr val="DACD57"/>
+                  </a:solidFill>
+                  <a:latin typeface="Arial" panose="020B0604020202020204" pitchFamily="34" charset="0"/>
+                  <a:ea typeface="Arial" panose="020B0604020202020204" pitchFamily="34" charset="0"/>
+                  <a:cs typeface="Arial" panose="020B0604020202020204" pitchFamily="34" charset="0"/>
+                  <a:sym typeface="+mn-ea"/>
+                </a:rPr>
+                <a:t>Create Jenkins Job</a:t>
+              </a:r>
+              <a:endParaRPr lang="" altLang="en-US" sz="3000">
+                <a:solidFill>
+                  <a:srgbClr val="DACD57"/>
+                </a:solidFill>
+                <a:latin typeface="Arial" panose="020B0604020202020204" pitchFamily="34" charset="0"/>
+                <a:ea typeface="Arial" panose="020B0604020202020204" pitchFamily="34" charset="0"/>
+                <a:cs typeface="Arial" panose="020B0604020202020204" pitchFamily="34" charset="0"/>
+                <a:sym typeface="+mn-ea"/>
+              </a:endParaRPr>
+            </a:p>
+          </p:txBody>
+        </p:sp>
+      </p:grpSp>
+      <p:pic>
+        <p:nvPicPr>
+          <p:cNvPr id="39" name="Picture 38"/>
+          <p:cNvPicPr>
+            <a:picLocks noChangeAspect="true"/>
+          </p:cNvPicPr>
+          <p:nvPr/>
+        </p:nvPicPr>
+        <p:blipFill>
+          <a:blip r:embed="rId1">
+            <a:biLevel thresh="50000"/>
+          </a:blip>
+          <a:stretch>
+            <a:fillRect/>
+          </a:stretch>
+        </p:blipFill>
+        <p:spPr>
+          <a:xfrm>
+            <a:off x="7037070" y="3111500"/>
+            <a:ext cx="991870" cy="991870"/>
+          </a:xfrm>
+          <a:prstGeom prst="rect">
+            <a:avLst/>
+          </a:prstGeom>
+        </p:spPr>
+      </p:pic>
+      <p:pic>
+        <p:nvPicPr>
+          <p:cNvPr id="40" name="Picture 39"/>
+          <p:cNvPicPr>
+            <a:picLocks noChangeAspect="true"/>
+          </p:cNvPicPr>
+          <p:nvPr/>
+        </p:nvPicPr>
+        <p:blipFill>
+          <a:blip r:embed="rId2">
+            <a:biLevel thresh="50000"/>
+          </a:blip>
+          <a:stretch>
+            <a:fillRect/>
+          </a:stretch>
+        </p:blipFill>
+        <p:spPr>
+          <a:xfrm>
+            <a:off x="4144645" y="4188460"/>
+            <a:ext cx="1022350" cy="1022350"/>
+          </a:xfrm>
+          <a:prstGeom prst="rect">
+            <a:avLst/>
+          </a:prstGeom>
+        </p:spPr>
+      </p:pic>
+      <p:pic>
+        <p:nvPicPr>
+          <p:cNvPr id="42" name="Picture 41"/>
+          <p:cNvPicPr>
+            <a:picLocks noChangeAspect="true"/>
+          </p:cNvPicPr>
+          <p:nvPr/>
+        </p:nvPicPr>
+        <p:blipFill>
+          <a:blip r:embed="rId3">
+            <a:biLevel thresh="50000"/>
+          </a:blip>
+          <a:stretch>
+            <a:fillRect/>
+          </a:stretch>
+        </p:blipFill>
+        <p:spPr>
+          <a:xfrm>
+            <a:off x="1342390" y="3086100"/>
+            <a:ext cx="1000125" cy="1000125"/>
+          </a:xfrm>
+          <a:prstGeom prst="rect">
+            <a:avLst/>
+          </a:prstGeom>
+        </p:spPr>
+      </p:pic>
+      <p:pic>
+        <p:nvPicPr>
+          <p:cNvPr id="43" name="Picture 42"/>
+          <p:cNvPicPr>
+            <a:picLocks noChangeAspect="true"/>
+          </p:cNvPicPr>
+          <p:nvPr/>
+        </p:nvPicPr>
+        <p:blipFill>
+          <a:blip r:embed="rId4">
+            <a:biLevel thresh="50000"/>
+          </a:blip>
+          <a:stretch>
+            <a:fillRect/>
+          </a:stretch>
+        </p:blipFill>
+        <p:spPr>
+          <a:xfrm flipH="true">
+            <a:off x="9884410" y="4268470"/>
+            <a:ext cx="946785" cy="946785"/>
+          </a:xfrm>
+          <a:prstGeom prst="rect">
+            <a:avLst/>
+          </a:prstGeom>
+        </p:spPr>
+      </p:pic>
+    </p:spTree>
+  </p:cSld>
+  <p:clrMapOvr>
+    <a:masterClrMapping/>
+  </p:clrMapOvr>
+  <p:timing>
+    <p:tnLst>
+      <p:par>
+        <p:cTn id="1" dur="indefinite" restart="never" nodeType="tmRoot"/>
+      </p:par>
+    </p:tnLst>
+  </p:timing>
+</p:sld>
+</file>
+
+<file path=ppt/slides/slide15.xml><?xml version="1.0" encoding="utf-8"?>
 <p:sld xmlns:a="http://schemas.openxmlformats.org/drawingml/2006/main" xmlns:r="http://schemas.openxmlformats.org/officeDocument/2006/relationships" xmlns:p="http://schemas.openxmlformats.org/presentationml/2006/main">
   <p:cSld>
     <p:spTree>
